--- a/Лекция 6 02_12_2020.pptx
+++ b/Лекция 6 02_12_2020.pptx
@@ -261,7 +261,7 @@
           <a:p>
             <a:fld id="{44DBC884-B382-4302-8488-D4E467EB670D}" type="datetimeFigureOut">
               <a:rPr lang="ru-RU" smtClean="0"/>
-              <a:t>12.11.2020</a:t>
+              <a:t>16.11.2020</a:t>
             </a:fld>
             <a:endParaRPr lang="ru-RU" dirty="0"/>
           </a:p>
@@ -660,7 +660,7 @@
           <a:p>
             <a:fld id="{9F4DF3D0-C105-404D-A43B-7CBA1B97B744}" type="datetimeFigureOut">
               <a:rPr lang="ru-RU" smtClean="0"/>
-              <a:t>12.11.2020</a:t>
+              <a:t>16.11.2020</a:t>
             </a:fld>
             <a:endParaRPr lang="ru-RU" dirty="0"/>
           </a:p>
@@ -830,7 +830,7 @@
           <a:p>
             <a:fld id="{9F4DF3D0-C105-404D-A43B-7CBA1B97B744}" type="datetimeFigureOut">
               <a:rPr lang="ru-RU" smtClean="0"/>
-              <a:t>12.11.2020</a:t>
+              <a:t>16.11.2020</a:t>
             </a:fld>
             <a:endParaRPr lang="ru-RU" dirty="0"/>
           </a:p>
@@ -1010,7 +1010,7 @@
           <a:p>
             <a:fld id="{9F4DF3D0-C105-404D-A43B-7CBA1B97B744}" type="datetimeFigureOut">
               <a:rPr lang="ru-RU" smtClean="0"/>
-              <a:t>12.11.2020</a:t>
+              <a:t>16.11.2020</a:t>
             </a:fld>
             <a:endParaRPr lang="ru-RU" dirty="0"/>
           </a:p>
@@ -1180,7 +1180,7 @@
           <a:p>
             <a:fld id="{9F4DF3D0-C105-404D-A43B-7CBA1B97B744}" type="datetimeFigureOut">
               <a:rPr lang="ru-RU" smtClean="0"/>
-              <a:t>12.11.2020</a:t>
+              <a:t>16.11.2020</a:t>
             </a:fld>
             <a:endParaRPr lang="ru-RU" dirty="0"/>
           </a:p>
@@ -1426,7 +1426,7 @@
           <a:p>
             <a:fld id="{9F4DF3D0-C105-404D-A43B-7CBA1B97B744}" type="datetimeFigureOut">
               <a:rPr lang="ru-RU" smtClean="0"/>
-              <a:t>12.11.2020</a:t>
+              <a:t>16.11.2020</a:t>
             </a:fld>
             <a:endParaRPr lang="ru-RU" dirty="0"/>
           </a:p>
@@ -1658,7 +1658,7 @@
           <a:p>
             <a:fld id="{9F4DF3D0-C105-404D-A43B-7CBA1B97B744}" type="datetimeFigureOut">
               <a:rPr lang="ru-RU" smtClean="0"/>
-              <a:t>12.11.2020</a:t>
+              <a:t>16.11.2020</a:t>
             </a:fld>
             <a:endParaRPr lang="ru-RU" dirty="0"/>
           </a:p>
@@ -2025,7 +2025,7 @@
           <a:p>
             <a:fld id="{9F4DF3D0-C105-404D-A43B-7CBA1B97B744}" type="datetimeFigureOut">
               <a:rPr lang="ru-RU" smtClean="0"/>
-              <a:t>12.11.2020</a:t>
+              <a:t>16.11.2020</a:t>
             </a:fld>
             <a:endParaRPr lang="ru-RU" dirty="0"/>
           </a:p>
@@ -2143,7 +2143,7 @@
           <a:p>
             <a:fld id="{9F4DF3D0-C105-404D-A43B-7CBA1B97B744}" type="datetimeFigureOut">
               <a:rPr lang="ru-RU" smtClean="0"/>
-              <a:t>12.11.2020</a:t>
+              <a:t>16.11.2020</a:t>
             </a:fld>
             <a:endParaRPr lang="ru-RU" dirty="0"/>
           </a:p>
@@ -2238,7 +2238,7 @@
           <a:p>
             <a:fld id="{9F4DF3D0-C105-404D-A43B-7CBA1B97B744}" type="datetimeFigureOut">
               <a:rPr lang="ru-RU" smtClean="0"/>
-              <a:t>12.11.2020</a:t>
+              <a:t>16.11.2020</a:t>
             </a:fld>
             <a:endParaRPr lang="ru-RU" dirty="0"/>
           </a:p>
@@ -2515,7 +2515,7 @@
           <a:p>
             <a:fld id="{9F4DF3D0-C105-404D-A43B-7CBA1B97B744}" type="datetimeFigureOut">
               <a:rPr lang="ru-RU" smtClean="0"/>
-              <a:t>12.11.2020</a:t>
+              <a:t>16.11.2020</a:t>
             </a:fld>
             <a:endParaRPr lang="ru-RU" dirty="0"/>
           </a:p>
@@ -2768,7 +2768,7 @@
           <a:p>
             <a:fld id="{9F4DF3D0-C105-404D-A43B-7CBA1B97B744}" type="datetimeFigureOut">
               <a:rPr lang="ru-RU" smtClean="0"/>
-              <a:t>12.11.2020</a:t>
+              <a:t>16.11.2020</a:t>
             </a:fld>
             <a:endParaRPr lang="ru-RU" dirty="0"/>
           </a:p>
@@ -2981,7 +2981,7 @@
           <a:p>
             <a:fld id="{9F4DF3D0-C105-404D-A43B-7CBA1B97B744}" type="datetimeFigureOut">
               <a:rPr lang="ru-RU" smtClean="0"/>
-              <a:t>12.11.2020</a:t>
+              <a:t>16.11.2020</a:t>
             </a:fld>
             <a:endParaRPr lang="ru-RU" dirty="0"/>
           </a:p>
@@ -3454,11 +3454,7 @@
             </a:r>
             <a:r>
               <a:rPr lang="ru-RU" sz="4000" dirty="0" smtClean="0"/>
-              <a:t>ближайших </a:t>
-            </a:r>
-            <a:r>
-              <a:rPr lang="ru-RU" sz="4000" dirty="0" smtClean="0"/>
-              <a:t>соседей.</a:t>
+              <a:t>ближайших соседей.</a:t>
             </a:r>
           </a:p>
           <a:p>
@@ -7362,11 +7358,7 @@
             </a:r>
             <a:r>
               <a:rPr lang="ru-RU" dirty="0" smtClean="0"/>
-              <a:t>, </a:t>
-            </a:r>
-            <a:r>
-              <a:rPr lang="ru-RU" dirty="0" smtClean="0"/>
-              <a:t>преимущества</a:t>
+              <a:t>, преимущества</a:t>
             </a:r>
           </a:p>
           <a:p>
@@ -9261,8 +9253,8 @@
           </a:p>
         </p:txBody>
       </p:sp>
-      <mc:AlternateContent xmlns:mc="http://schemas.openxmlformats.org/markup-compatibility/2006">
-        <mc:Choice xmlns:a14="http://schemas.microsoft.com/office/drawing/2010/main" Requires="a14">
+      <mc:AlternateContent xmlns:mc="http://schemas.openxmlformats.org/markup-compatibility/2006" xmlns:a14="http://schemas.microsoft.com/office/drawing/2010/main">
+        <mc:Choice Requires="a14">
           <p:sp>
             <p:nvSpPr>
               <p:cNvPr id="3" name="Объект 2"/>
@@ -9541,7 +9533,7 @@
             </p:txBody>
           </p:sp>
         </mc:Choice>
-        <mc:Fallback>
+        <mc:Fallback xmlns="">
           <p:sp>
             <p:nvSpPr>
               <p:cNvPr id="3" name="Объект 2"/>
@@ -9771,8 +9763,8 @@
           </a:p>
         </p:txBody>
       </p:sp>
-      <mc:AlternateContent xmlns:mc="http://schemas.openxmlformats.org/markup-compatibility/2006">
-        <mc:Choice xmlns:a14="http://schemas.microsoft.com/office/drawing/2010/main" Requires="a14">
+      <mc:AlternateContent xmlns:mc="http://schemas.openxmlformats.org/markup-compatibility/2006" xmlns:a14="http://schemas.microsoft.com/office/drawing/2010/main">
+        <mc:Choice Requires="a14">
           <p:sp>
             <p:nvSpPr>
               <p:cNvPr id="3" name="Объект 2"/>
@@ -10276,7 +10268,7 @@
             </p:txBody>
           </p:sp>
         </mc:Choice>
-        <mc:Fallback>
+        <mc:Fallback xmlns="">
           <p:sp>
             <p:nvSpPr>
               <p:cNvPr id="3" name="Объект 2"/>
@@ -10375,8 +10367,8 @@
           </a:p>
         </p:txBody>
       </p:sp>
-      <mc:AlternateContent xmlns:mc="http://schemas.openxmlformats.org/markup-compatibility/2006">
-        <mc:Choice xmlns:a14="http://schemas.microsoft.com/office/drawing/2010/main" Requires="a14">
+      <mc:AlternateContent xmlns:mc="http://schemas.openxmlformats.org/markup-compatibility/2006" xmlns:a14="http://schemas.microsoft.com/office/drawing/2010/main">
+        <mc:Choice Requires="a14">
           <p:sp>
             <p:nvSpPr>
               <p:cNvPr id="3" name="Объект 2"/>
@@ -11120,7 +11112,7 @@
             </p:txBody>
           </p:sp>
         </mc:Choice>
-        <mc:Fallback>
+        <mc:Fallback xmlns="">
           <p:sp>
             <p:nvSpPr>
               <p:cNvPr id="3" name="Объект 2"/>
@@ -11882,8 +11874,8 @@
           </a:p>
         </p:txBody>
       </p:sp>
-      <mc:AlternateContent xmlns:mc="http://schemas.openxmlformats.org/markup-compatibility/2006">
-        <mc:Choice xmlns:a14="http://schemas.microsoft.com/office/drawing/2010/main" Requires="a14">
+      <mc:AlternateContent xmlns:mc="http://schemas.openxmlformats.org/markup-compatibility/2006" xmlns:a14="http://schemas.microsoft.com/office/drawing/2010/main">
+        <mc:Choice Requires="a14">
           <p:sp>
             <p:nvSpPr>
               <p:cNvPr id="3" name="Объект 2"/>
@@ -12437,7 +12429,7 @@
             </p:txBody>
           </p:sp>
         </mc:Choice>
-        <mc:Fallback>
+        <mc:Fallback xmlns="">
           <p:sp>
             <p:nvSpPr>
               <p:cNvPr id="3" name="Объект 2"/>
@@ -13015,48 +13007,64 @@
                     <m:d>
                       <m:dPr>
                         <m:ctrlPr>
-                          <a:rPr lang="ru-RU"/>
+                          <a:rPr lang="ru-RU" i="1">
+                            <a:latin typeface="Cambria Math" panose="02040503050406030204" pitchFamily="18" charset="0"/>
+                          </a:rPr>
                         </m:ctrlPr>
                       </m:dPr>
                       <m:e>
                         <m:sSub>
                           <m:sSubPr>
                             <m:ctrlPr>
-                              <a:rPr lang="ru-RU"/>
+                              <a:rPr lang="ru-RU" i="1">
+                                <a:latin typeface="Cambria Math" panose="02040503050406030204" pitchFamily="18" charset="0"/>
+                              </a:rPr>
                             </m:ctrlPr>
                           </m:sSubPr>
                           <m:e>
                             <m:r>
-                              <a:rPr lang="en-US"/>
+                              <a:rPr lang="en-US">
+                                <a:latin typeface="Cambria Math" panose="02040503050406030204" pitchFamily="18" charset="0"/>
+                              </a:rPr>
                               <m:t>𝑥</m:t>
                             </m:r>
                           </m:e>
                           <m:sub>
                             <m:r>
-                              <a:rPr lang="en-US"/>
+                              <a:rPr lang="en-US">
+                                <a:latin typeface="Cambria Math" panose="02040503050406030204" pitchFamily="18" charset="0"/>
+                              </a:rPr>
                               <m:t>𝑖</m:t>
                             </m:r>
                           </m:sub>
                         </m:sSub>
                         <m:r>
-                          <a:rPr lang="en-US"/>
+                          <a:rPr lang="en-US">
+                            <a:latin typeface="Cambria Math" panose="02040503050406030204" pitchFamily="18" charset="0"/>
+                          </a:rPr>
                           <m:t>,</m:t>
                         </m:r>
                         <m:sSub>
                           <m:sSubPr>
                             <m:ctrlPr>
-                              <a:rPr lang="en-US"/>
+                              <a:rPr lang="en-US" i="1">
+                                <a:latin typeface="Cambria Math" panose="02040503050406030204" pitchFamily="18" charset="0"/>
+                              </a:rPr>
                             </m:ctrlPr>
                           </m:sSubPr>
                           <m:e>
                             <m:r>
-                              <a:rPr lang="en-US"/>
+                              <a:rPr lang="en-US">
+                                <a:latin typeface="Cambria Math" panose="02040503050406030204" pitchFamily="18" charset="0"/>
+                              </a:rPr>
                               <m:t>𝑦</m:t>
                             </m:r>
                           </m:e>
                           <m:sub>
                             <m:r>
-                              <a:rPr lang="en-US"/>
+                              <a:rPr lang="en-US">
+                                <a:latin typeface="Cambria Math" panose="02040503050406030204" pitchFamily="18" charset="0"/>
+                              </a:rPr>
                               <m:t>𝑖</m:t>
                             </m:r>
                           </m:sub>
@@ -13083,24 +13091,32 @@
                     <m:sSub>
                       <m:sSubPr>
                         <m:ctrlPr>
-                          <a:rPr lang="ru-RU"/>
+                          <a:rPr lang="ru-RU" i="1">
+                            <a:latin typeface="Cambria Math" panose="02040503050406030204" pitchFamily="18" charset="0"/>
+                          </a:rPr>
                         </m:ctrlPr>
                       </m:sSubPr>
                       <m:e>
                         <m:r>
-                          <a:rPr lang="en-US"/>
+                          <a:rPr lang="en-US">
+                            <a:latin typeface="Cambria Math" panose="02040503050406030204" pitchFamily="18" charset="0"/>
+                          </a:rPr>
                           <m:t>𝑦</m:t>
                         </m:r>
                       </m:e>
                       <m:sub>
                         <m:r>
-                          <a:rPr lang="en-US"/>
+                          <a:rPr lang="en-US">
+                            <a:latin typeface="Cambria Math" panose="02040503050406030204" pitchFamily="18" charset="0"/>
+                          </a:rPr>
                           <m:t>𝑖</m:t>
                         </m:r>
                       </m:sub>
                     </m:sSub>
                     <m:r>
-                      <a:rPr lang="ru-RU"/>
+                      <a:rPr lang="ru-RU">
+                        <a:latin typeface="Cambria Math" panose="02040503050406030204" pitchFamily="18" charset="0"/>
+                      </a:rPr>
                       <m:t>∈</m:t>
                     </m:r>
                     <m:d>
@@ -13108,48 +13124,64 @@
                         <m:begChr m:val="{"/>
                         <m:endChr m:val="}"/>
                         <m:ctrlPr>
-                          <a:rPr lang="ru-RU"/>
+                          <a:rPr lang="ru-RU" i="1">
+                            <a:latin typeface="Cambria Math" panose="02040503050406030204" pitchFamily="18" charset="0"/>
+                          </a:rPr>
                         </m:ctrlPr>
                       </m:dPr>
                       <m:e>
                         <m:sSub>
                           <m:sSubPr>
                             <m:ctrlPr>
-                              <a:rPr lang="ru-RU"/>
+                              <a:rPr lang="ru-RU" i="1">
+                                <a:latin typeface="Cambria Math" panose="02040503050406030204" pitchFamily="18" charset="0"/>
+                              </a:rPr>
                             </m:ctrlPr>
                           </m:sSubPr>
                           <m:e>
                             <m:r>
-                              <a:rPr lang="en-US"/>
+                              <a:rPr lang="en-US">
+                                <a:latin typeface="Cambria Math" panose="02040503050406030204" pitchFamily="18" charset="0"/>
+                              </a:rPr>
                               <m:t>𝑌</m:t>
                             </m:r>
                           </m:e>
                           <m:sub>
                             <m:r>
-                              <a:rPr lang="en-US"/>
+                              <a:rPr lang="en-US">
+                                <a:latin typeface="Cambria Math" panose="02040503050406030204" pitchFamily="18" charset="0"/>
+                              </a:rPr>
                               <m:t>1</m:t>
                             </m:r>
                           </m:sub>
                         </m:sSub>
                         <m:r>
-                          <a:rPr lang="en-US"/>
+                          <a:rPr lang="en-US">
+                            <a:latin typeface="Cambria Math" panose="02040503050406030204" pitchFamily="18" charset="0"/>
+                          </a:rPr>
                           <m:t>,…,</m:t>
                         </m:r>
                         <m:sSub>
                           <m:sSubPr>
                             <m:ctrlPr>
-                              <a:rPr lang="en-US"/>
+                              <a:rPr lang="en-US" i="1">
+                                <a:latin typeface="Cambria Math" panose="02040503050406030204" pitchFamily="18" charset="0"/>
+                              </a:rPr>
                             </m:ctrlPr>
                           </m:sSubPr>
                           <m:e>
                             <m:r>
-                              <a:rPr lang="en-US"/>
+                              <a:rPr lang="en-US">
+                                <a:latin typeface="Cambria Math" panose="02040503050406030204" pitchFamily="18" charset="0"/>
+                              </a:rPr>
                               <m:t>𝑌</m:t>
                             </m:r>
                           </m:e>
                           <m:sub>
                             <m:r>
-                              <a:rPr lang="en-US"/>
+                              <a:rPr lang="en-US">
+                                <a:latin typeface="Cambria Math" panose="02040503050406030204" pitchFamily="18" charset="0"/>
+                              </a:rPr>
                               <m:t>𝑀</m:t>
                             </m:r>
                           </m:sub>
@@ -13157,7 +13189,9 @@
                       </m:e>
                     </m:d>
                     <m:r>
-                      <a:rPr lang="ru-RU"/>
+                      <a:rPr lang="ru-RU">
+                        <a:latin typeface="Cambria Math" panose="02040503050406030204" pitchFamily="18" charset="0"/>
+                      </a:rPr>
                       <m:t>,</m:t>
                     </m:r>
                   </m:oMath>
@@ -13171,15 +13205,21 @@
                 <a14:m>
                   <m:oMath xmlns:m="http://schemas.openxmlformats.org/officeDocument/2006/math">
                     <m:r>
-                      <a:rPr lang="en-US"/>
+                      <a:rPr lang="en-US">
+                        <a:latin typeface="Cambria Math" panose="02040503050406030204" pitchFamily="18" charset="0"/>
+                      </a:rPr>
                       <m:t>𝑖</m:t>
                     </m:r>
                     <m:r>
-                      <a:rPr lang="en-US"/>
+                      <a:rPr lang="en-US">
+                        <a:latin typeface="Cambria Math" panose="02040503050406030204" pitchFamily="18" charset="0"/>
+                      </a:rPr>
                       <m:t>=1,…,</m:t>
                     </m:r>
                     <m:r>
-                      <a:rPr lang="en-US"/>
+                      <a:rPr lang="en-US">
+                        <a:latin typeface="Cambria Math" panose="02040503050406030204" pitchFamily="18" charset="0"/>
+                      </a:rPr>
                       <m:t>𝑁</m:t>
                     </m:r>
                   </m:oMath>
@@ -13223,18 +13263,24 @@
                 <a14:m>
                   <m:oMath xmlns:m="http://schemas.openxmlformats.org/officeDocument/2006/math">
                     <m:r>
-                      <a:rPr lang="en-US"/>
+                      <a:rPr lang="en-US">
+                        <a:latin typeface="Cambria Math" panose="02040503050406030204" pitchFamily="18" charset="0"/>
+                      </a:rPr>
                       <m:t>𝑓</m:t>
                     </m:r>
                     <m:d>
                       <m:dPr>
                         <m:ctrlPr>
-                          <a:rPr lang="en-US"/>
+                          <a:rPr lang="en-US" i="1">
+                            <a:latin typeface="Cambria Math" panose="02040503050406030204" pitchFamily="18" charset="0"/>
+                          </a:rPr>
                         </m:ctrlPr>
                       </m:dPr>
                       <m:e>
                         <m:r>
-                          <a:rPr lang="en-US"/>
+                          <a:rPr lang="en-US">
+                            <a:latin typeface="Cambria Math" panose="02040503050406030204" pitchFamily="18" charset="0"/>
+                          </a:rPr>
                           <m:t>𝑥</m:t>
                         </m:r>
                       </m:e>
@@ -13248,31 +13294,41 @@
                 <a14:m>
                   <m:oMath xmlns:m="http://schemas.openxmlformats.org/officeDocument/2006/math">
                     <m:r>
-                      <a:rPr lang="en-US"/>
+                      <a:rPr lang="en-US">
+                        <a:latin typeface="Cambria Math" panose="02040503050406030204" pitchFamily="18" charset="0"/>
+                      </a:rPr>
                       <m:t>𝑓</m:t>
                     </m:r>
                     <m:d>
                       <m:dPr>
                         <m:ctrlPr>
-                          <a:rPr lang="en-US"/>
+                          <a:rPr lang="en-US" i="1">
+                            <a:latin typeface="Cambria Math" panose="02040503050406030204" pitchFamily="18" charset="0"/>
+                          </a:rPr>
                         </m:ctrlPr>
                       </m:dPr>
                       <m:e>
                         <m:sSub>
                           <m:sSubPr>
                             <m:ctrlPr>
-                              <a:rPr lang="en-US"/>
+                              <a:rPr lang="en-US" i="1">
+                                <a:latin typeface="Cambria Math" panose="02040503050406030204" pitchFamily="18" charset="0"/>
+                              </a:rPr>
                             </m:ctrlPr>
                           </m:sSubPr>
                           <m:e>
                             <m:r>
-                              <a:rPr lang="en-US"/>
+                              <a:rPr lang="en-US">
+                                <a:latin typeface="Cambria Math" panose="02040503050406030204" pitchFamily="18" charset="0"/>
+                              </a:rPr>
                               <m:t>𝑥</m:t>
                             </m:r>
                           </m:e>
                           <m:sub>
                             <m:r>
-                              <a:rPr lang="en-US"/>
+                              <a:rPr lang="en-US">
+                                <a:latin typeface="Cambria Math" panose="02040503050406030204" pitchFamily="18" charset="0"/>
+                              </a:rPr>
                               <m:t>𝑖</m:t>
                             </m:r>
                           </m:sub>
@@ -13280,24 +13336,32 @@
                       </m:e>
                     </m:d>
                     <m:r>
-                      <a:rPr lang="en-US"/>
+                      <a:rPr lang="en-US">
+                        <a:latin typeface="Cambria Math" panose="02040503050406030204" pitchFamily="18" charset="0"/>
+                      </a:rPr>
                       <m:t>≈</m:t>
                     </m:r>
                     <m:sSub>
                       <m:sSubPr>
                         <m:ctrlPr>
-                          <a:rPr lang="en-US"/>
+                          <a:rPr lang="en-US" i="1">
+                            <a:latin typeface="Cambria Math" panose="02040503050406030204" pitchFamily="18" charset="0"/>
+                          </a:rPr>
                         </m:ctrlPr>
                       </m:sSubPr>
                       <m:e>
                         <m:r>
-                          <a:rPr lang="en-US"/>
+                          <a:rPr lang="en-US">
+                            <a:latin typeface="Cambria Math" panose="02040503050406030204" pitchFamily="18" charset="0"/>
+                          </a:rPr>
                           <m:t>𝑦</m:t>
                         </m:r>
                       </m:e>
                       <m:sub>
                         <m:r>
-                          <a:rPr lang="en-US"/>
+                          <a:rPr lang="en-US">
+                            <a:latin typeface="Cambria Math" panose="02040503050406030204" pitchFamily="18" charset="0"/>
+                          </a:rPr>
                           <m:t>𝑖</m:t>
                         </m:r>
                       </m:sub>
@@ -13313,8 +13377,12 @@
                   <a:t>для всех </a:t>
                 </a:r>
                 <a:r>
+                  <a:rPr lang="en-US" i="1" dirty="0"/>
+                  <a:t>i</a:t>
+                </a:r>
+                <a:r>
                   <a:rPr lang="en-US" dirty="0"/>
-                  <a:t>i.</a:t>
+                  <a:t>.</a:t>
                 </a:r>
               </a:p>
             </p:txBody>
